--- a/localLLMn8n.pptx
+++ b/localLLMn8n.pptx
@@ -254,7 +254,7 @@
           <a:p>
             <a:fld id="{9275EF9D-446A-4BA9-9A8F-8795C824CFA3}" type="datetimeFigureOut">
               <a:rPr lang="zh-TW" altLang="en-US" smtClean="0"/>
-              <a:t>2025/8/13</a:t>
+              <a:t>2025/8/14</a:t>
             </a:fld>
             <a:endParaRPr lang="zh-TW" altLang="en-US"/>
           </a:p>
@@ -422,7 +422,7 @@
           <a:p>
             <a:fld id="{9275EF9D-446A-4BA9-9A8F-8795C824CFA3}" type="datetimeFigureOut">
               <a:rPr lang="zh-TW" altLang="en-US" smtClean="0"/>
-              <a:t>2025/8/13</a:t>
+              <a:t>2025/8/14</a:t>
             </a:fld>
             <a:endParaRPr lang="zh-TW" altLang="en-US"/>
           </a:p>
@@ -600,7 +600,7 @@
           <a:p>
             <a:fld id="{9275EF9D-446A-4BA9-9A8F-8795C824CFA3}" type="datetimeFigureOut">
               <a:rPr lang="zh-TW" altLang="en-US" smtClean="0"/>
-              <a:t>2025/8/13</a:t>
+              <a:t>2025/8/14</a:t>
             </a:fld>
             <a:endParaRPr lang="zh-TW" altLang="en-US"/>
           </a:p>
@@ -768,7 +768,7 @@
           <a:p>
             <a:fld id="{9275EF9D-446A-4BA9-9A8F-8795C824CFA3}" type="datetimeFigureOut">
               <a:rPr lang="zh-TW" altLang="en-US" smtClean="0"/>
-              <a:t>2025/8/13</a:t>
+              <a:t>2025/8/14</a:t>
             </a:fld>
             <a:endParaRPr lang="zh-TW" altLang="en-US"/>
           </a:p>
@@ -1013,7 +1013,7 @@
           <a:p>
             <a:fld id="{9275EF9D-446A-4BA9-9A8F-8795C824CFA3}" type="datetimeFigureOut">
               <a:rPr lang="zh-TW" altLang="en-US" smtClean="0"/>
-              <a:t>2025/8/13</a:t>
+              <a:t>2025/8/14</a:t>
             </a:fld>
             <a:endParaRPr lang="zh-TW" altLang="en-US"/>
           </a:p>
@@ -1242,7 +1242,7 @@
           <a:p>
             <a:fld id="{9275EF9D-446A-4BA9-9A8F-8795C824CFA3}" type="datetimeFigureOut">
               <a:rPr lang="zh-TW" altLang="en-US" smtClean="0"/>
-              <a:t>2025/8/13</a:t>
+              <a:t>2025/8/14</a:t>
             </a:fld>
             <a:endParaRPr lang="zh-TW" altLang="en-US"/>
           </a:p>
@@ -1606,7 +1606,7 @@
           <a:p>
             <a:fld id="{9275EF9D-446A-4BA9-9A8F-8795C824CFA3}" type="datetimeFigureOut">
               <a:rPr lang="zh-TW" altLang="en-US" smtClean="0"/>
-              <a:t>2025/8/13</a:t>
+              <a:t>2025/8/14</a:t>
             </a:fld>
             <a:endParaRPr lang="zh-TW" altLang="en-US"/>
           </a:p>
@@ -1723,7 +1723,7 @@
           <a:p>
             <a:fld id="{9275EF9D-446A-4BA9-9A8F-8795C824CFA3}" type="datetimeFigureOut">
               <a:rPr lang="zh-TW" altLang="en-US" smtClean="0"/>
-              <a:t>2025/8/13</a:t>
+              <a:t>2025/8/14</a:t>
             </a:fld>
             <a:endParaRPr lang="zh-TW" altLang="en-US"/>
           </a:p>
@@ -1818,7 +1818,7 @@
           <a:p>
             <a:fld id="{9275EF9D-446A-4BA9-9A8F-8795C824CFA3}" type="datetimeFigureOut">
               <a:rPr lang="zh-TW" altLang="en-US" smtClean="0"/>
-              <a:t>2025/8/13</a:t>
+              <a:t>2025/8/14</a:t>
             </a:fld>
             <a:endParaRPr lang="zh-TW" altLang="en-US"/>
           </a:p>
@@ -2093,7 +2093,7 @@
           <a:p>
             <a:fld id="{9275EF9D-446A-4BA9-9A8F-8795C824CFA3}" type="datetimeFigureOut">
               <a:rPr lang="zh-TW" altLang="en-US" smtClean="0"/>
-              <a:t>2025/8/13</a:t>
+              <a:t>2025/8/14</a:t>
             </a:fld>
             <a:endParaRPr lang="zh-TW" altLang="en-US"/>
           </a:p>
@@ -2345,7 +2345,7 @@
           <a:p>
             <a:fld id="{9275EF9D-446A-4BA9-9A8F-8795C824CFA3}" type="datetimeFigureOut">
               <a:rPr lang="zh-TW" altLang="en-US" smtClean="0"/>
-              <a:t>2025/8/13</a:t>
+              <a:t>2025/8/14</a:t>
             </a:fld>
             <a:endParaRPr lang="zh-TW" altLang="en-US"/>
           </a:p>
@@ -2556,7 +2556,7 @@
           <a:p>
             <a:fld id="{9275EF9D-446A-4BA9-9A8F-8795C824CFA3}" type="datetimeFigureOut">
               <a:rPr lang="zh-TW" altLang="en-US" smtClean="0"/>
-              <a:t>2025/8/13</a:t>
+              <a:t>2025/8/14</a:t>
             </a:fld>
             <a:endParaRPr lang="zh-TW" altLang="en-US"/>
           </a:p>
@@ -6764,7 +6764,7 @@
           <a:p>
             <a:r>
               <a:rPr lang="zh-TW" altLang="en-US" dirty="0"/>
-              <a:t>第一步下載本機應用對外服務 </a:t>
+              <a:t>再來下載本機應用對外服務 </a:t>
             </a:r>
             <a:r>
               <a:rPr lang="en-US" altLang="zh-TW" dirty="0" err="1"/>
@@ -6845,8 +6845,8 @@
         </p:nvCxnSpPr>
         <p:spPr>
           <a:xfrm flipH="1">
-            <a:off x="3585576" y="4886287"/>
-            <a:ext cx="946653" cy="444767"/>
+            <a:off x="3585576" y="429038"/>
+            <a:ext cx="2510424" cy="4902016"/>
           </a:xfrm>
           <a:prstGeom prst="straightConnector1">
             <a:avLst/>
@@ -7812,6 +7812,136 @@
           </a:p>
         </p:txBody>
       </p:sp>
+      <p:sp>
+        <p:nvSpPr>
+          <p:cNvPr id="2" name="矩形: 圓角 6">
+            <a:extLst>
+              <a:ext uri="{FF2B5EF4-FFF2-40B4-BE49-F238E27FC236}">
+                <a16:creationId xmlns:a16="http://schemas.microsoft.com/office/drawing/2014/main" id="{BCA6224F-25A6-136A-2FB9-0282AED876E0}"/>
+              </a:ext>
+            </a:extLst>
+          </p:cNvPr>
+          <p:cNvSpPr/>
+          <p:nvPr/>
+        </p:nvSpPr>
+        <p:spPr>
+          <a:xfrm>
+            <a:off x="4250027" y="5689664"/>
+            <a:ext cx="490693" cy="355763"/>
+          </a:xfrm>
+          <a:prstGeom prst="roundRect">
+            <a:avLst/>
+          </a:prstGeom>
+          <a:noFill/>
+          <a:ln w="57150">
+            <a:solidFill>
+              <a:srgbClr val="FF0000"/>
+            </a:solidFill>
+          </a:ln>
+        </p:spPr>
+        <p:style>
+          <a:lnRef idx="2">
+            <a:schemeClr val="accent1">
+              <a:shade val="15000"/>
+            </a:schemeClr>
+          </a:lnRef>
+          <a:fillRef idx="1">
+            <a:schemeClr val="accent1"/>
+          </a:fillRef>
+          <a:effectRef idx="0">
+            <a:schemeClr val="accent1"/>
+          </a:effectRef>
+          <a:fontRef idx="minor">
+            <a:schemeClr val="lt1"/>
+          </a:fontRef>
+        </p:style>
+        <p:txBody>
+          <a:bodyPr rtlCol="0" anchor="ctr"/>
+          <a:lstStyle/>
+          <a:p>
+            <a:pPr algn="ctr"/>
+            <a:endParaRPr lang="zh-TW" altLang="en-US"/>
+          </a:p>
+        </p:txBody>
+      </p:sp>
+      <p:sp>
+        <p:nvSpPr>
+          <p:cNvPr id="4" name="文字方塊 14">
+            <a:extLst>
+              <a:ext uri="{FF2B5EF4-FFF2-40B4-BE49-F238E27FC236}">
+                <a16:creationId xmlns:a16="http://schemas.microsoft.com/office/drawing/2014/main" id="{800FF9F3-156A-20AC-455B-82BEA6E077B8}"/>
+              </a:ext>
+            </a:extLst>
+          </p:cNvPr>
+          <p:cNvSpPr txBox="1"/>
+          <p:nvPr/>
+        </p:nvSpPr>
+        <p:spPr>
+          <a:xfrm>
+            <a:off x="2556457" y="5345575"/>
+            <a:ext cx="3052293" cy="369332"/>
+          </a:xfrm>
+          <a:prstGeom prst="rect">
+            <a:avLst/>
+          </a:prstGeom>
+          <a:noFill/>
+        </p:spPr>
+        <p:txBody>
+          <a:bodyPr wrap="square" rtlCol="0">
+            <a:spAutoFit/>
+          </a:bodyPr>
+          <a:lstStyle/>
+          <a:p>
+            <a:r>
+              <a:rPr lang="zh-TW" altLang="en-US" dirty="0">
+                <a:solidFill>
+                  <a:srgbClr val="FF0000"/>
+                </a:solidFill>
+              </a:rPr>
+              <a:t>不想認證的話可以直接跳過</a:t>
+            </a:r>
+          </a:p>
+        </p:txBody>
+      </p:sp>
+      <p:sp>
+        <p:nvSpPr>
+          <p:cNvPr id="8" name="文字方塊 14">
+            <a:extLst>
+              <a:ext uri="{FF2B5EF4-FFF2-40B4-BE49-F238E27FC236}">
+                <a16:creationId xmlns:a16="http://schemas.microsoft.com/office/drawing/2014/main" id="{53EDD91C-EB6F-00AF-BBD2-5DAE3B09FFA2}"/>
+              </a:ext>
+            </a:extLst>
+          </p:cNvPr>
+          <p:cNvSpPr txBox="1"/>
+          <p:nvPr/>
+        </p:nvSpPr>
+        <p:spPr>
+          <a:xfrm>
+            <a:off x="7783133" y="3059668"/>
+            <a:ext cx="3052293" cy="369332"/>
+          </a:xfrm>
+          <a:prstGeom prst="rect">
+            <a:avLst/>
+          </a:prstGeom>
+          <a:noFill/>
+        </p:spPr>
+        <p:txBody>
+          <a:bodyPr wrap="square" rtlCol="0">
+            <a:spAutoFit/>
+          </a:bodyPr>
+          <a:lstStyle/>
+          <a:p>
+            <a:r>
+              <a:rPr lang="zh-TW" altLang="en-US" dirty="0">
+                <a:solidFill>
+                  <a:srgbClr val="FF0000"/>
+                </a:solidFill>
+              </a:rPr>
+              <a:t>跳過的話這裡都不用看</a:t>
+            </a:r>
+          </a:p>
+        </p:txBody>
+      </p:sp>
     </p:spTree>
     <p:extLst>
       <p:ext uri="{BB962C8B-B14F-4D97-AF65-F5344CB8AC3E}">
@@ -7883,36 +8013,71 @@
                             </p:childTnLst>
                           </p:cTn>
                         </p:par>
-                      </p:childTnLst>
-                    </p:cTn>
-                  </p:par>
-                  <p:par>
-                    <p:cTn id="8" fill="hold">
-                      <p:stCondLst>
-                        <p:cond delay="indefinite"/>
-                      </p:stCondLst>
-                      <p:childTnLst>
                         <p:par>
-                          <p:cTn id="9" fill="hold">
+                          <p:cTn id="8" fill="hold">
                             <p:stCondLst>
-                              <p:cond delay="0"/>
+                              <p:cond delay="1000"/>
                             </p:stCondLst>
                             <p:childTnLst>
                               <p:par>
-                                <p:cTn id="10" presetID="2" presetClass="entr" presetSubtype="4" fill="hold" nodeType="clickEffect">
+                                <p:cTn id="9" presetID="21" presetClass="entr" presetSubtype="1" fill="hold" grpId="0" nodeType="afterEffect">
                                   <p:stCondLst>
                                     <p:cond delay="0"/>
                                   </p:stCondLst>
                                   <p:childTnLst>
                                     <p:set>
                                       <p:cBhvr>
-                                        <p:cTn id="11" dur="1" fill="hold">
+                                        <p:cTn id="10" dur="1" fill="hold">
                                           <p:stCondLst>
                                             <p:cond delay="0"/>
                                           </p:stCondLst>
                                         </p:cTn>
                                         <p:tgtEl>
-                                          <p:spTgt spid="5"/>
+                                          <p:spTgt spid="2"/>
+                                        </p:tgtEl>
+                                        <p:attrNameLst>
+                                          <p:attrName>style.visibility</p:attrName>
+                                        </p:attrNameLst>
+                                      </p:cBhvr>
+                                      <p:to>
+                                        <p:strVal val="visible"/>
+                                      </p:to>
+                                    </p:set>
+                                    <p:animEffect transition="in" filter="wheel(1)">
+                                      <p:cBhvr>
+                                        <p:cTn id="11" dur="1000"/>
+                                        <p:tgtEl>
+                                          <p:spTgt spid="2"/>
+                                        </p:tgtEl>
+                                      </p:cBhvr>
+                                    </p:animEffect>
+                                  </p:childTnLst>
+                                </p:cTn>
+                              </p:par>
+                            </p:childTnLst>
+                          </p:cTn>
+                        </p:par>
+                        <p:par>
+                          <p:cTn id="12" fill="hold">
+                            <p:stCondLst>
+                              <p:cond delay="2000"/>
+                            </p:stCondLst>
+                            <p:childTnLst>
+                              <p:par>
+                                <p:cTn id="13" presetID="2" presetClass="entr" presetSubtype="4" fill="hold" grpId="0" nodeType="afterEffect">
+                                  <p:stCondLst>
+                                    <p:cond delay="0"/>
+                                  </p:stCondLst>
+                                  <p:childTnLst>
+                                    <p:set>
+                                      <p:cBhvr>
+                                        <p:cTn id="14" dur="1" fill="hold">
+                                          <p:stCondLst>
+                                            <p:cond delay="0"/>
+                                          </p:stCondLst>
+                                        </p:cTn>
+                                        <p:tgtEl>
+                                          <p:spTgt spid="4"/>
                                         </p:tgtEl>
                                         <p:attrNameLst>
                                           <p:attrName>style.visibility</p:attrName>
@@ -7924,9 +8089,9 @@
                                     </p:set>
                                     <p:anim calcmode="lin" valueType="num">
                                       <p:cBhvr additive="base">
-                                        <p:cTn id="12" dur="500" fill="hold"/>
-                                        <p:tgtEl>
-                                          <p:spTgt spid="5"/>
+                                        <p:cTn id="15" dur="500" fill="hold"/>
+                                        <p:tgtEl>
+                                          <p:spTgt spid="4"/>
                                         </p:tgtEl>
                                         <p:attrNameLst>
                                           <p:attrName>ppt_x</p:attrName>
@@ -7947,7 +8112,98 @@
                                     </p:anim>
                                     <p:anim calcmode="lin" valueType="num">
                                       <p:cBhvr additive="base">
-                                        <p:cTn id="13" dur="500" fill="hold"/>
+                                        <p:cTn id="16" dur="500" fill="hold"/>
+                                        <p:tgtEl>
+                                          <p:spTgt spid="4"/>
+                                        </p:tgtEl>
+                                        <p:attrNameLst>
+                                          <p:attrName>ppt_y</p:attrName>
+                                        </p:attrNameLst>
+                                      </p:cBhvr>
+                                      <p:tavLst>
+                                        <p:tav tm="0">
+                                          <p:val>
+                                            <p:strVal val="1+#ppt_h/2"/>
+                                          </p:val>
+                                        </p:tav>
+                                        <p:tav tm="100000">
+                                          <p:val>
+                                            <p:strVal val="#ppt_y"/>
+                                          </p:val>
+                                        </p:tav>
+                                      </p:tavLst>
+                                    </p:anim>
+                                  </p:childTnLst>
+                                </p:cTn>
+                              </p:par>
+                            </p:childTnLst>
+                          </p:cTn>
+                        </p:par>
+                      </p:childTnLst>
+                    </p:cTn>
+                  </p:par>
+                  <p:par>
+                    <p:cTn id="17" fill="hold">
+                      <p:stCondLst>
+                        <p:cond delay="indefinite"/>
+                      </p:stCondLst>
+                      <p:childTnLst>
+                        <p:par>
+                          <p:cTn id="18" fill="hold">
+                            <p:stCondLst>
+                              <p:cond delay="0"/>
+                            </p:stCondLst>
+                            <p:childTnLst>
+                              <p:par>
+                                <p:cTn id="19" presetID="2" presetClass="entr" presetSubtype="4" fill="hold" nodeType="clickEffect">
+                                  <p:stCondLst>
+                                    <p:cond delay="0"/>
+                                  </p:stCondLst>
+                                  <p:childTnLst>
+                                    <p:set>
+                                      <p:cBhvr>
+                                        <p:cTn id="20" dur="1" fill="hold">
+                                          <p:stCondLst>
+                                            <p:cond delay="0"/>
+                                          </p:stCondLst>
+                                        </p:cTn>
+                                        <p:tgtEl>
+                                          <p:spTgt spid="5"/>
+                                        </p:tgtEl>
+                                        <p:attrNameLst>
+                                          <p:attrName>style.visibility</p:attrName>
+                                        </p:attrNameLst>
+                                      </p:cBhvr>
+                                      <p:to>
+                                        <p:strVal val="visible"/>
+                                      </p:to>
+                                    </p:set>
+                                    <p:anim calcmode="lin" valueType="num">
+                                      <p:cBhvr additive="base">
+                                        <p:cTn id="21" dur="500" fill="hold"/>
+                                        <p:tgtEl>
+                                          <p:spTgt spid="5"/>
+                                        </p:tgtEl>
+                                        <p:attrNameLst>
+                                          <p:attrName>ppt_x</p:attrName>
+                                        </p:attrNameLst>
+                                      </p:cBhvr>
+                                      <p:tavLst>
+                                        <p:tav tm="0">
+                                          <p:val>
+                                            <p:strVal val="#ppt_x"/>
+                                          </p:val>
+                                        </p:tav>
+                                        <p:tav tm="100000">
+                                          <p:val>
+                                            <p:strVal val="#ppt_x"/>
+                                          </p:val>
+                                        </p:tav>
+                                      </p:tavLst>
+                                    </p:anim>
+                                    <p:anim calcmode="lin" valueType="num">
+                                      <p:cBhvr additive="base">
+                                        <p:cTn id="22" dur="500" fill="hold"/>
                                         <p:tgtEl>
                                           <p:spTgt spid="5"/>
                                         </p:tgtEl>
@@ -7975,20 +8231,20 @@
                           </p:cTn>
                         </p:par>
                         <p:par>
-                          <p:cTn id="14" fill="hold">
+                          <p:cTn id="23" fill="hold">
                             <p:stCondLst>
                               <p:cond delay="500"/>
                             </p:stCondLst>
                             <p:childTnLst>
                               <p:par>
-                                <p:cTn id="15" presetID="21" presetClass="entr" presetSubtype="1" fill="hold" grpId="0" nodeType="afterEffect">
+                                <p:cTn id="24" presetID="21" presetClass="entr" presetSubtype="1" fill="hold" grpId="0" nodeType="afterEffect">
                                   <p:stCondLst>
                                     <p:cond delay="0"/>
                                   </p:stCondLst>
                                   <p:childTnLst>
                                     <p:set>
                                       <p:cBhvr>
-                                        <p:cTn id="16" dur="1" fill="hold">
+                                        <p:cTn id="25" dur="1" fill="hold">
                                           <p:stCondLst>
                                             <p:cond delay="0"/>
                                           </p:stCondLst>
@@ -8006,7 +8262,7 @@
                                     </p:set>
                                     <p:animEffect transition="in" filter="wheel(1)">
                                       <p:cBhvr>
-                                        <p:cTn id="17" dur="1000"/>
+                                        <p:cTn id="26" dur="1000"/>
                                         <p:tgtEl>
                                           <p:spTgt spid="7"/>
                                         </p:tgtEl>
@@ -8022,26 +8278,26 @@
                     </p:cTn>
                   </p:par>
                   <p:par>
-                    <p:cTn id="18" fill="hold">
+                    <p:cTn id="27" fill="hold">
                       <p:stCondLst>
                         <p:cond delay="indefinite"/>
                       </p:stCondLst>
                       <p:childTnLst>
                         <p:par>
-                          <p:cTn id="19" fill="hold">
+                          <p:cTn id="28" fill="hold">
                             <p:stCondLst>
                               <p:cond delay="0"/>
                             </p:stCondLst>
                             <p:childTnLst>
                               <p:par>
-                                <p:cTn id="20" presetID="2" presetClass="entr" presetSubtype="4" fill="hold" nodeType="clickEffect">
+                                <p:cTn id="29" presetID="2" presetClass="entr" presetSubtype="4" fill="hold" nodeType="clickEffect">
                                   <p:stCondLst>
                                     <p:cond delay="0"/>
                                   </p:stCondLst>
                                   <p:childTnLst>
                                     <p:set>
                                       <p:cBhvr>
-                                        <p:cTn id="21" dur="1" fill="hold">
+                                        <p:cTn id="30" dur="1" fill="hold">
                                           <p:stCondLst>
                                             <p:cond delay="0"/>
                                           </p:stCondLst>
@@ -8059,7 +8315,7 @@
                                     </p:set>
                                     <p:anim calcmode="lin" valueType="num">
                                       <p:cBhvr additive="base">
-                                        <p:cTn id="22" dur="500" fill="hold"/>
+                                        <p:cTn id="31" dur="500" fill="hold"/>
                                         <p:tgtEl>
                                           <p:spTgt spid="9"/>
                                         </p:tgtEl>
@@ -8082,9 +8338,91 @@
                                     </p:anim>
                                     <p:anim calcmode="lin" valueType="num">
                                       <p:cBhvr additive="base">
-                                        <p:cTn id="23" dur="500" fill="hold"/>
+                                        <p:cTn id="32" dur="500" fill="hold"/>
                                         <p:tgtEl>
                                           <p:spTgt spid="9"/>
+                                        </p:tgtEl>
+                                        <p:attrNameLst>
+                                          <p:attrName>ppt_y</p:attrName>
+                                        </p:attrNameLst>
+                                      </p:cBhvr>
+                                      <p:tavLst>
+                                        <p:tav tm="0">
+                                          <p:val>
+                                            <p:strVal val="1+#ppt_h/2"/>
+                                          </p:val>
+                                        </p:tav>
+                                        <p:tav tm="100000">
+                                          <p:val>
+                                            <p:strVal val="#ppt_y"/>
+                                          </p:val>
+                                        </p:tav>
+                                      </p:tavLst>
+                                    </p:anim>
+                                  </p:childTnLst>
+                                </p:cTn>
+                              </p:par>
+                            </p:childTnLst>
+                          </p:cTn>
+                        </p:par>
+                        <p:par>
+                          <p:cTn id="33" fill="hold">
+                            <p:stCondLst>
+                              <p:cond delay="500"/>
+                            </p:stCondLst>
+                            <p:childTnLst>
+                              <p:par>
+                                <p:cTn id="34" presetID="2" presetClass="entr" presetSubtype="4" fill="hold" grpId="0" nodeType="afterEffect">
+                                  <p:stCondLst>
+                                    <p:cond delay="0"/>
+                                  </p:stCondLst>
+                                  <p:childTnLst>
+                                    <p:set>
+                                      <p:cBhvr>
+                                        <p:cTn id="35" dur="1" fill="hold">
+                                          <p:stCondLst>
+                                            <p:cond delay="0"/>
+                                          </p:stCondLst>
+                                        </p:cTn>
+                                        <p:tgtEl>
+                                          <p:spTgt spid="8"/>
+                                        </p:tgtEl>
+                                        <p:attrNameLst>
+                                          <p:attrName>style.visibility</p:attrName>
+                                        </p:attrNameLst>
+                                      </p:cBhvr>
+                                      <p:to>
+                                        <p:strVal val="visible"/>
+                                      </p:to>
+                                    </p:set>
+                                    <p:anim calcmode="lin" valueType="num">
+                                      <p:cBhvr additive="base">
+                                        <p:cTn id="36" dur="500" fill="hold"/>
+                                        <p:tgtEl>
+                                          <p:spTgt spid="8"/>
+                                        </p:tgtEl>
+                                        <p:attrNameLst>
+                                          <p:attrName>ppt_x</p:attrName>
+                                        </p:attrNameLst>
+                                      </p:cBhvr>
+                                      <p:tavLst>
+                                        <p:tav tm="0">
+                                          <p:val>
+                                            <p:strVal val="#ppt_x"/>
+                                          </p:val>
+                                        </p:tav>
+                                        <p:tav tm="100000">
+                                          <p:val>
+                                            <p:strVal val="#ppt_x"/>
+                                          </p:val>
+                                        </p:tav>
+                                      </p:tavLst>
+                                    </p:anim>
+                                    <p:anim calcmode="lin" valueType="num">
+                                      <p:cBhvr additive="base">
+                                        <p:cTn id="37" dur="500" fill="hold"/>
+                                        <p:tgtEl>
+                                          <p:spTgt spid="8"/>
                                         </p:tgtEl>
                                         <p:attrNameLst>
                                           <p:attrName>ppt_y</p:attrName>
@@ -8136,6 +8474,9 @@
     <p:bldLst>
       <p:bldP spid="6" grpId="0" animBg="1"/>
       <p:bldP spid="7" grpId="0" animBg="1"/>
+      <p:bldP spid="2" grpId="0" animBg="1"/>
+      <p:bldP spid="4" grpId="0"/>
+      <p:bldP spid="8" grpId="0"/>
     </p:bldLst>
   </p:timing>
 </p:sld>
@@ -8374,6 +8715,45 @@
           </a:p>
         </p:txBody>
       </p:sp>
+      <p:sp>
+        <p:nvSpPr>
+          <p:cNvPr id="2" name="文字方塊 14">
+            <a:extLst>
+              <a:ext uri="{FF2B5EF4-FFF2-40B4-BE49-F238E27FC236}">
+                <a16:creationId xmlns:a16="http://schemas.microsoft.com/office/drawing/2014/main" id="{8A6E6068-47B7-69A0-5D68-B93F3A08AF65}"/>
+              </a:ext>
+            </a:extLst>
+          </p:cNvPr>
+          <p:cNvSpPr txBox="1"/>
+          <p:nvPr/>
+        </p:nvSpPr>
+        <p:spPr>
+          <a:xfrm>
+            <a:off x="4782356" y="747911"/>
+            <a:ext cx="3052293" cy="369332"/>
+          </a:xfrm>
+          <a:prstGeom prst="rect">
+            <a:avLst/>
+          </a:prstGeom>
+          <a:noFill/>
+        </p:spPr>
+        <p:txBody>
+          <a:bodyPr wrap="square" rtlCol="0">
+            <a:spAutoFit/>
+          </a:bodyPr>
+          <a:lstStyle/>
+          <a:p>
+            <a:r>
+              <a:rPr lang="zh-TW" altLang="en-US" dirty="0">
+                <a:solidFill>
+                  <a:srgbClr val="FF0000"/>
+                </a:solidFill>
+              </a:rPr>
+              <a:t>跳過的話這裡都不用看</a:t>
+            </a:r>
+          </a:p>
+        </p:txBody>
+      </p:sp>
     </p:spTree>
     <p:extLst>
       <p:ext uri="{BB962C8B-B14F-4D97-AF65-F5344CB8AC3E}">
@@ -8408,7 +8788,7 @@
                             </p:stCondLst>
                             <p:childTnLst>
                               <p:par>
-                                <p:cTn id="5" presetID="21" presetClass="entr" presetSubtype="1" fill="hold" grpId="0" nodeType="afterEffect">
+                                <p:cTn id="5" presetID="2" presetClass="entr" presetSubtype="4" fill="hold" grpId="0" nodeType="afterEffect">
                                   <p:stCondLst>
                                     <p:cond delay="0"/>
                                   </p:stCondLst>
@@ -8421,51 +8801,7 @@
                                           </p:stCondLst>
                                         </p:cTn>
                                         <p:tgtEl>
-                                          <p:spTgt spid="8"/>
-                                        </p:tgtEl>
-                                        <p:attrNameLst>
-                                          <p:attrName>style.visibility</p:attrName>
-                                        </p:attrNameLst>
-                                      </p:cBhvr>
-                                      <p:to>
-                                        <p:strVal val="visible"/>
-                                      </p:to>
-                                    </p:set>
-                                    <p:animEffect transition="in" filter="wheel(1)">
-                                      <p:cBhvr>
-                                        <p:cTn id="7" dur="1000"/>
-                                        <p:tgtEl>
-                                          <p:spTgt spid="8"/>
-                                        </p:tgtEl>
-                                      </p:cBhvr>
-                                    </p:animEffect>
-                                  </p:childTnLst>
-                                </p:cTn>
-                              </p:par>
-                            </p:childTnLst>
-                          </p:cTn>
-                        </p:par>
-                        <p:par>
-                          <p:cTn id="8" fill="hold">
-                            <p:stCondLst>
-                              <p:cond delay="1000"/>
-                            </p:stCondLst>
-                            <p:childTnLst>
-                              <p:par>
-                                <p:cTn id="9" presetID="2" presetClass="entr" presetSubtype="4" fill="hold" nodeType="afterEffect">
-                                  <p:stCondLst>
-                                    <p:cond delay="0"/>
-                                  </p:stCondLst>
-                                  <p:childTnLst>
-                                    <p:set>
-                                      <p:cBhvr>
-                                        <p:cTn id="10" dur="1" fill="hold">
-                                          <p:stCondLst>
-                                            <p:cond delay="0"/>
-                                          </p:stCondLst>
-                                        </p:cTn>
-                                        <p:tgtEl>
-                                          <p:spTgt spid="7"/>
+                                          <p:spTgt spid="2"/>
                                         </p:tgtEl>
                                         <p:attrNameLst>
                                           <p:attrName>style.visibility</p:attrName>
@@ -8477,9 +8813,9 @@
                                     </p:set>
                                     <p:anim calcmode="lin" valueType="num">
                                       <p:cBhvr additive="base">
-                                        <p:cTn id="11" dur="500" fill="hold"/>
-                                        <p:tgtEl>
-                                          <p:spTgt spid="7"/>
+                                        <p:cTn id="7" dur="500" fill="hold"/>
+                                        <p:tgtEl>
+                                          <p:spTgt spid="2"/>
                                         </p:tgtEl>
                                         <p:attrNameLst>
                                           <p:attrName>ppt_x</p:attrName>
@@ -8500,9 +8836,9 @@
                                     </p:anim>
                                     <p:anim calcmode="lin" valueType="num">
                                       <p:cBhvr additive="base">
-                                        <p:cTn id="12" dur="500" fill="hold"/>
-                                        <p:tgtEl>
-                                          <p:spTgt spid="7"/>
+                                        <p:cTn id="8" dur="500" fill="hold"/>
+                                        <p:tgtEl>
+                                          <p:spTgt spid="2"/>
                                         </p:tgtEl>
                                         <p:attrNameLst>
                                           <p:attrName>ppt_y</p:attrName>
@@ -8528,13 +8864,57 @@
                           </p:cTn>
                         </p:par>
                         <p:par>
+                          <p:cTn id="9" fill="hold">
+                            <p:stCondLst>
+                              <p:cond delay="500"/>
+                            </p:stCondLst>
+                            <p:childTnLst>
+                              <p:par>
+                                <p:cTn id="10" presetID="21" presetClass="entr" presetSubtype="1" fill="hold" grpId="0" nodeType="afterEffect">
+                                  <p:stCondLst>
+                                    <p:cond delay="0"/>
+                                  </p:stCondLst>
+                                  <p:childTnLst>
+                                    <p:set>
+                                      <p:cBhvr>
+                                        <p:cTn id="11" dur="1" fill="hold">
+                                          <p:stCondLst>
+                                            <p:cond delay="0"/>
+                                          </p:stCondLst>
+                                        </p:cTn>
+                                        <p:tgtEl>
+                                          <p:spTgt spid="8"/>
+                                        </p:tgtEl>
+                                        <p:attrNameLst>
+                                          <p:attrName>style.visibility</p:attrName>
+                                        </p:attrNameLst>
+                                      </p:cBhvr>
+                                      <p:to>
+                                        <p:strVal val="visible"/>
+                                      </p:to>
+                                    </p:set>
+                                    <p:animEffect transition="in" filter="wheel(1)">
+                                      <p:cBhvr>
+                                        <p:cTn id="12" dur="1000"/>
+                                        <p:tgtEl>
+                                          <p:spTgt spid="8"/>
+                                        </p:tgtEl>
+                                      </p:cBhvr>
+                                    </p:animEffect>
+                                  </p:childTnLst>
+                                </p:cTn>
+                              </p:par>
+                            </p:childTnLst>
+                          </p:cTn>
+                        </p:par>
+                        <p:par>
                           <p:cTn id="13" fill="hold">
                             <p:stCondLst>
                               <p:cond delay="1500"/>
                             </p:stCondLst>
                             <p:childTnLst>
                               <p:par>
-                                <p:cTn id="14" presetID="21" presetClass="entr" presetSubtype="1" fill="hold" grpId="0" nodeType="afterEffect">
+                                <p:cTn id="14" presetID="2" presetClass="entr" presetSubtype="4" fill="hold" nodeType="afterEffect">
                                   <p:stCondLst>
                                     <p:cond delay="0"/>
                                   </p:stCondLst>
@@ -8547,6 +8927,88 @@
                                           </p:stCondLst>
                                         </p:cTn>
                                         <p:tgtEl>
+                                          <p:spTgt spid="7"/>
+                                        </p:tgtEl>
+                                        <p:attrNameLst>
+                                          <p:attrName>style.visibility</p:attrName>
+                                        </p:attrNameLst>
+                                      </p:cBhvr>
+                                      <p:to>
+                                        <p:strVal val="visible"/>
+                                      </p:to>
+                                    </p:set>
+                                    <p:anim calcmode="lin" valueType="num">
+                                      <p:cBhvr additive="base">
+                                        <p:cTn id="16" dur="500" fill="hold"/>
+                                        <p:tgtEl>
+                                          <p:spTgt spid="7"/>
+                                        </p:tgtEl>
+                                        <p:attrNameLst>
+                                          <p:attrName>ppt_x</p:attrName>
+                                        </p:attrNameLst>
+                                      </p:cBhvr>
+                                      <p:tavLst>
+                                        <p:tav tm="0">
+                                          <p:val>
+                                            <p:strVal val="#ppt_x"/>
+                                          </p:val>
+                                        </p:tav>
+                                        <p:tav tm="100000">
+                                          <p:val>
+                                            <p:strVal val="#ppt_x"/>
+                                          </p:val>
+                                        </p:tav>
+                                      </p:tavLst>
+                                    </p:anim>
+                                    <p:anim calcmode="lin" valueType="num">
+                                      <p:cBhvr additive="base">
+                                        <p:cTn id="17" dur="500" fill="hold"/>
+                                        <p:tgtEl>
+                                          <p:spTgt spid="7"/>
+                                        </p:tgtEl>
+                                        <p:attrNameLst>
+                                          <p:attrName>ppt_y</p:attrName>
+                                        </p:attrNameLst>
+                                      </p:cBhvr>
+                                      <p:tavLst>
+                                        <p:tav tm="0">
+                                          <p:val>
+                                            <p:strVal val="1+#ppt_h/2"/>
+                                          </p:val>
+                                        </p:tav>
+                                        <p:tav tm="100000">
+                                          <p:val>
+                                            <p:strVal val="#ppt_y"/>
+                                          </p:val>
+                                        </p:tav>
+                                      </p:tavLst>
+                                    </p:anim>
+                                  </p:childTnLst>
+                                </p:cTn>
+                              </p:par>
+                            </p:childTnLst>
+                          </p:cTn>
+                        </p:par>
+                        <p:par>
+                          <p:cTn id="18" fill="hold">
+                            <p:stCondLst>
+                              <p:cond delay="2000"/>
+                            </p:stCondLst>
+                            <p:childTnLst>
+                              <p:par>
+                                <p:cTn id="19" presetID="21" presetClass="entr" presetSubtype="1" fill="hold" grpId="0" nodeType="afterEffect">
+                                  <p:stCondLst>
+                                    <p:cond delay="0"/>
+                                  </p:stCondLst>
+                                  <p:childTnLst>
+                                    <p:set>
+                                      <p:cBhvr>
+                                        <p:cTn id="20" dur="1" fill="hold">
+                                          <p:stCondLst>
+                                            <p:cond delay="0"/>
+                                          </p:stCondLst>
+                                        </p:cTn>
+                                        <p:tgtEl>
                                           <p:spTgt spid="9"/>
                                         </p:tgtEl>
                                         <p:attrNameLst>
@@ -8559,7 +9021,7 @@
                                     </p:set>
                                     <p:animEffect transition="in" filter="wheel(1)">
                                       <p:cBhvr>
-                                        <p:cTn id="16" dur="1000"/>
+                                        <p:cTn id="21" dur="1000"/>
                                         <p:tgtEl>
                                           <p:spTgt spid="9"/>
                                         </p:tgtEl>
@@ -8598,6 +9060,7 @@
     <p:bldLst>
       <p:bldP spid="8" grpId="0" animBg="1"/>
       <p:bldP spid="9" grpId="0" animBg="1"/>
+      <p:bldP spid="2" grpId="0"/>
     </p:bldLst>
   </p:timing>
 </p:sld>
@@ -8866,9 +9329,53 @@
           </a:p>
         </p:txBody>
       </p:sp>
+      <p:cxnSp>
+        <p:nvCxnSpPr>
+          <p:cNvPr id="2" name="直線單箭頭接點 11">
+            <a:extLst>
+              <a:ext uri="{FF2B5EF4-FFF2-40B4-BE49-F238E27FC236}">
+                <a16:creationId xmlns:a16="http://schemas.microsoft.com/office/drawing/2014/main" id="{AF5FCAFB-D3F9-E82A-B0B4-7A457F7F4602}"/>
+              </a:ext>
+            </a:extLst>
+          </p:cNvPr>
+          <p:cNvCxnSpPr>
+            <a:cxnSpLocks/>
+          </p:cNvCxnSpPr>
+          <p:nvPr/>
+        </p:nvCxnSpPr>
+        <p:spPr>
+          <a:xfrm>
+            <a:off x="2154475" y="1615858"/>
+            <a:ext cx="2867462" cy="3277709"/>
+          </a:xfrm>
+          <a:prstGeom prst="straightConnector1">
+            <a:avLst/>
+          </a:prstGeom>
+          <a:ln w="38100">
+            <a:solidFill>
+              <a:srgbClr val="FF0000"/>
+            </a:solidFill>
+            <a:tailEnd type="triangle"/>
+          </a:ln>
+        </p:spPr>
+        <p:style>
+          <a:lnRef idx="2">
+            <a:schemeClr val="accent1"/>
+          </a:lnRef>
+          <a:fillRef idx="0">
+            <a:schemeClr val="accent1"/>
+          </a:fillRef>
+          <a:effectRef idx="1">
+            <a:schemeClr val="accent1"/>
+          </a:effectRef>
+          <a:fontRef idx="minor">
+            <a:schemeClr val="tx1"/>
+          </a:fontRef>
+        </p:style>
+      </p:cxnSp>
       <p:pic>
         <p:nvPicPr>
-          <p:cNvPr id="14" name="圖片 13">
+          <p:cNvPr id="7" name="圖片 13">
             <a:extLst>
               <a:ext uri="{FF2B5EF4-FFF2-40B4-BE49-F238E27FC236}">
                 <a16:creationId xmlns:a16="http://schemas.microsoft.com/office/drawing/2014/main" id="{08A29EFE-4F9C-9FFB-315F-464F49C180FB}"/>
@@ -8888,7 +9395,7 @@
         </p:blipFill>
         <p:spPr>
           <a:xfrm>
-            <a:off x="510126" y="1684355"/>
+            <a:off x="507858" y="1746492"/>
             <a:ext cx="8611802" cy="4210638"/>
           </a:xfrm>
           <a:prstGeom prst="roundRect">
@@ -8924,7 +9431,7 @@
       </p:pic>
       <p:sp>
         <p:nvSpPr>
-          <p:cNvPr id="15" name="文字方塊 14">
+          <p:cNvPr id="8" name="文字方塊 14">
             <a:extLst>
               <a:ext uri="{FF2B5EF4-FFF2-40B4-BE49-F238E27FC236}">
                 <a16:creationId xmlns:a16="http://schemas.microsoft.com/office/drawing/2014/main" id="{F75ABE4A-D459-B5E1-E4CE-9E96E714E3F1}"/>
@@ -9068,7 +9575,7 @@
                             </p:stCondLst>
                             <p:childTnLst>
                               <p:par>
-                                <p:cTn id="9" presetID="21" presetClass="entr" presetSubtype="1" fill="hold" grpId="0" nodeType="afterEffect">
+                                <p:cTn id="9" presetID="22" presetClass="entr" presetSubtype="1" fill="hold" nodeType="afterEffect">
                                   <p:stCondLst>
                                     <p:cond delay="0"/>
                                   </p:stCondLst>
@@ -9081,7 +9588,7 @@
                                           </p:stCondLst>
                                         </p:cTn>
                                         <p:tgtEl>
-                                          <p:spTgt spid="6"/>
+                                          <p:spTgt spid="2"/>
                                         </p:tgtEl>
                                         <p:attrNameLst>
                                           <p:attrName>style.visibility</p:attrName>
@@ -9091,11 +9598,11 @@
                                         <p:strVal val="visible"/>
                                       </p:to>
                                     </p:set>
-                                    <p:animEffect transition="in" filter="wheel(1)">
+                                    <p:animEffect transition="in" filter="wipe(up)">
                                       <p:cBhvr>
-                                        <p:cTn id="11" dur="1000"/>
-                                        <p:tgtEl>
-                                          <p:spTgt spid="6"/>
+                                        <p:cTn id="11" dur="500"/>
+                                        <p:tgtEl>
+                                          <p:spTgt spid="2"/>
                                         </p:tgtEl>
                                       </p:cBhvr>
                                     </p:animEffect>
@@ -9108,7 +9615,7 @@
                         <p:par>
                           <p:cTn id="12" fill="hold">
                             <p:stCondLst>
-                              <p:cond delay="2000"/>
+                              <p:cond delay="1500"/>
                             </p:stCondLst>
                             <p:childTnLst>
                               <p:par>
@@ -9190,7 +9697,7 @@
                         <p:par>
                           <p:cTn id="17" fill="hold">
                             <p:stCondLst>
-                              <p:cond delay="2500"/>
+                              <p:cond delay="2000"/>
                             </p:stCondLst>
                             <p:childTnLst>
                               <p:par>
@@ -9247,7 +9754,7 @@
                             </p:stCondLst>
                             <p:childTnLst>
                               <p:par>
-                                <p:cTn id="23" presetID="2" presetClass="entr" presetSubtype="4" fill="hold" nodeType="clickEffect">
+                                <p:cTn id="23" presetID="21" presetClass="entr" presetSubtype="1" fill="hold" grpId="0" nodeType="clickEffect">
                                   <p:stCondLst>
                                     <p:cond delay="0"/>
                                   </p:stCondLst>
@@ -9260,7 +9767,51 @@
                                           </p:stCondLst>
                                         </p:cTn>
                                         <p:tgtEl>
-                                          <p:spTgt spid="14"/>
+                                          <p:spTgt spid="6"/>
+                                        </p:tgtEl>
+                                        <p:attrNameLst>
+                                          <p:attrName>style.visibility</p:attrName>
+                                        </p:attrNameLst>
+                                      </p:cBhvr>
+                                      <p:to>
+                                        <p:strVal val="visible"/>
+                                      </p:to>
+                                    </p:set>
+                                    <p:animEffect transition="in" filter="wheel(1)">
+                                      <p:cBhvr>
+                                        <p:cTn id="25" dur="1000"/>
+                                        <p:tgtEl>
+                                          <p:spTgt spid="6"/>
+                                        </p:tgtEl>
+                                      </p:cBhvr>
+                                    </p:animEffect>
+                                  </p:childTnLst>
+                                </p:cTn>
+                              </p:par>
+                            </p:childTnLst>
+                          </p:cTn>
+                        </p:par>
+                        <p:par>
+                          <p:cTn id="26" fill="hold">
+                            <p:stCondLst>
+                              <p:cond delay="1000"/>
+                            </p:stCondLst>
+                            <p:childTnLst>
+                              <p:par>
+                                <p:cTn id="27" presetID="2" presetClass="entr" presetSubtype="4" fill="hold" nodeType="afterEffect">
+                                  <p:stCondLst>
+                                    <p:cond delay="0"/>
+                                  </p:stCondLst>
+                                  <p:childTnLst>
+                                    <p:set>
+                                      <p:cBhvr>
+                                        <p:cTn id="28" dur="1" fill="hold">
+                                          <p:stCondLst>
+                                            <p:cond delay="0"/>
+                                          </p:stCondLst>
+                                        </p:cTn>
+                                        <p:tgtEl>
+                                          <p:spTgt spid="7"/>
                                         </p:tgtEl>
                                         <p:attrNameLst>
                                           <p:attrName>style.visibility</p:attrName>
@@ -9272,9 +9823,9 @@
                                     </p:set>
                                     <p:anim calcmode="lin" valueType="num">
                                       <p:cBhvr additive="base">
-                                        <p:cTn id="25" dur="500" fill="hold"/>
-                                        <p:tgtEl>
-                                          <p:spTgt spid="14"/>
+                                        <p:cTn id="29" dur="500" fill="hold"/>
+                                        <p:tgtEl>
+                                          <p:spTgt spid="7"/>
                                         </p:tgtEl>
                                         <p:attrNameLst>
                                           <p:attrName>ppt_x</p:attrName>
@@ -9295,9 +9846,9 @@
                                     </p:anim>
                                     <p:anim calcmode="lin" valueType="num">
                                       <p:cBhvr additive="base">
-                                        <p:cTn id="26" dur="500" fill="hold"/>
-                                        <p:tgtEl>
-                                          <p:spTgt spid="14"/>
+                                        <p:cTn id="30" dur="500" fill="hold"/>
+                                        <p:tgtEl>
+                                          <p:spTgt spid="7"/>
                                         </p:tgtEl>
                                         <p:attrNameLst>
                                           <p:attrName>ppt_y</p:attrName>
@@ -9323,26 +9874,26 @@
                           </p:cTn>
                         </p:par>
                         <p:par>
-                          <p:cTn id="27" fill="hold">
+                          <p:cTn id="31" fill="hold">
                             <p:stCondLst>
-                              <p:cond delay="500"/>
+                              <p:cond delay="1500"/>
                             </p:stCondLst>
                             <p:childTnLst>
                               <p:par>
-                                <p:cTn id="28" presetID="2" presetClass="entr" presetSubtype="4" fill="hold" grpId="0" nodeType="afterEffect">
+                                <p:cTn id="32" presetID="2" presetClass="entr" presetSubtype="4" fill="hold" grpId="0" nodeType="afterEffect">
                                   <p:stCondLst>
                                     <p:cond delay="0"/>
                                   </p:stCondLst>
                                   <p:childTnLst>
                                     <p:set>
                                       <p:cBhvr>
-                                        <p:cTn id="29" dur="1" fill="hold">
+                                        <p:cTn id="33" dur="1" fill="hold">
                                           <p:stCondLst>
                                             <p:cond delay="0"/>
                                           </p:stCondLst>
                                         </p:cTn>
                                         <p:tgtEl>
-                                          <p:spTgt spid="15"/>
+                                          <p:spTgt spid="8"/>
                                         </p:tgtEl>
                                         <p:attrNameLst>
                                           <p:attrName>style.visibility</p:attrName>
@@ -9354,9 +9905,9 @@
                                     </p:set>
                                     <p:anim calcmode="lin" valueType="num">
                                       <p:cBhvr additive="base">
-                                        <p:cTn id="30" dur="500" fill="hold"/>
-                                        <p:tgtEl>
-                                          <p:spTgt spid="15"/>
+                                        <p:cTn id="34" dur="500" fill="hold"/>
+                                        <p:tgtEl>
+                                          <p:spTgt spid="8"/>
                                         </p:tgtEl>
                                         <p:attrNameLst>
                                           <p:attrName>ppt_x</p:attrName>
@@ -9377,9 +9928,9 @@
                                     </p:anim>
                                     <p:anim calcmode="lin" valueType="num">
                                       <p:cBhvr additive="base">
-                                        <p:cTn id="31" dur="500" fill="hold"/>
-                                        <p:tgtEl>
-                                          <p:spTgt spid="15"/>
+                                        <p:cTn id="35" dur="500" fill="hold"/>
+                                        <p:tgtEl>
+                                          <p:spTgt spid="8"/>
                                         </p:tgtEl>
                                         <p:attrNameLst>
                                           <p:attrName>ppt_y</p:attrName>
@@ -9433,7 +9984,7 @@
       <p:bldP spid="6" grpId="0" animBg="1"/>
       <p:bldP spid="10" grpId="0"/>
       <p:bldP spid="12" grpId="0" animBg="1"/>
-      <p:bldP spid="15" grpId="0"/>
+      <p:bldP spid="8" grpId="0"/>
     </p:bldLst>
   </p:timing>
 </p:sld>
@@ -10354,15 +10905,20 @@
           <p:nvPr/>
         </p:nvPicPr>
         <p:blipFill>
-          <a:blip r:embed="rId4"/>
-          <a:stretch>
-            <a:fillRect/>
-          </a:stretch>
+          <a:blip r:embed="rId4">
+            <a:extLst>
+              <a:ext uri="{28A0092B-C50C-407E-A947-70E740481C1C}">
+                <a14:useLocalDpi xmlns:a14="http://schemas.microsoft.com/office/drawing/2010/main" val="0"/>
+              </a:ext>
+            </a:extLst>
+          </a:blip>
+          <a:srcRect/>
+          <a:stretch/>
         </p:blipFill>
         <p:spPr>
           <a:xfrm>
-            <a:off x="7198966" y="641660"/>
-            <a:ext cx="3934374" cy="2114845"/>
+            <a:off x="7970071" y="1056413"/>
+            <a:ext cx="3934373" cy="2114845"/>
           </a:xfrm>
           <a:prstGeom prst="roundRect">
             <a:avLst>
@@ -10409,7 +10965,7 @@
         </p:nvSpPr>
         <p:spPr>
           <a:xfrm>
-            <a:off x="7429320" y="1161346"/>
+            <a:off x="8216467" y="1535996"/>
             <a:ext cx="2071327" cy="358362"/>
           </a:xfrm>
           <a:prstGeom prst="roundRect">
@@ -10469,7 +11025,7 @@
         </p:blipFill>
         <p:spPr>
           <a:xfrm>
-            <a:off x="6176837" y="3058564"/>
+            <a:off x="6250110" y="3459617"/>
             <a:ext cx="5774480" cy="3222176"/>
           </a:xfrm>
           <a:prstGeom prst="roundRect">
@@ -10519,7 +11075,7 @@
         </p:nvCxnSpPr>
         <p:spPr>
           <a:xfrm flipH="1">
-            <a:off x="7977958" y="2660320"/>
+            <a:off x="8051231" y="3061373"/>
             <a:ext cx="2560606" cy="1628345"/>
           </a:xfrm>
           <a:prstGeom prst="straightConnector1">
@@ -10549,6 +11105,208 @@
       </p:cxnSp>
       <p:sp>
         <p:nvSpPr>
+          <p:cNvPr id="23" name="文字方塊 22">
+            <a:extLst>
+              <a:ext uri="{FF2B5EF4-FFF2-40B4-BE49-F238E27FC236}">
+                <a16:creationId xmlns:a16="http://schemas.microsoft.com/office/drawing/2014/main" id="{E8FEEC4F-9843-2AC6-5894-902A61587623}"/>
+              </a:ext>
+            </a:extLst>
+          </p:cNvPr>
+          <p:cNvSpPr txBox="1"/>
+          <p:nvPr/>
+        </p:nvSpPr>
+        <p:spPr>
+          <a:xfrm>
+            <a:off x="7664406" y="5145446"/>
+            <a:ext cx="3517179" cy="369332"/>
+          </a:xfrm>
+          <a:prstGeom prst="rect">
+            <a:avLst/>
+          </a:prstGeom>
+          <a:noFill/>
+        </p:spPr>
+        <p:txBody>
+          <a:bodyPr wrap="square" rtlCol="0">
+            <a:spAutoFit/>
+          </a:bodyPr>
+          <a:lstStyle/>
+          <a:p>
+            <a:r>
+              <a:rPr lang="zh-TW" altLang="en-US" dirty="0">
+                <a:solidFill>
+                  <a:srgbClr val="FF0000"/>
+                </a:solidFill>
+              </a:rPr>
+              <a:t>啟動後到這裡來</a:t>
+            </a:r>
+          </a:p>
+        </p:txBody>
+      </p:sp>
+      <p:sp>
+        <p:nvSpPr>
+          <p:cNvPr id="2" name="文字方塊 18">
+            <a:extLst>
+              <a:ext uri="{FF2B5EF4-FFF2-40B4-BE49-F238E27FC236}">
+                <a16:creationId xmlns:a16="http://schemas.microsoft.com/office/drawing/2014/main" id="{7C683DBE-1224-CD86-CD85-8538B006C9F0}"/>
+              </a:ext>
+            </a:extLst>
+          </p:cNvPr>
+          <p:cNvSpPr txBox="1"/>
+          <p:nvPr/>
+        </p:nvSpPr>
+        <p:spPr>
+          <a:xfrm>
+            <a:off x="357503" y="41408"/>
+            <a:ext cx="5971108" cy="461665"/>
+          </a:xfrm>
+          <a:prstGeom prst="rect">
+            <a:avLst/>
+          </a:prstGeom>
+          <a:noFill/>
+        </p:spPr>
+        <p:txBody>
+          <a:bodyPr wrap="square">
+            <a:spAutoFit/>
+          </a:bodyPr>
+          <a:lstStyle/>
+          <a:p>
+            <a:r>
+              <a:rPr lang="zh-TW" altLang="en-US" sz="2400" dirty="0">
+                <a:solidFill>
+                  <a:srgbClr val="FF0000"/>
+                </a:solidFill>
+              </a:rPr>
+              <a:t>解壓縮到一個目錄中，先找到</a:t>
+            </a:r>
+            <a:r>
+              <a:rPr lang="en-US" altLang="zh-TW" sz="2400" dirty="0">
+                <a:solidFill>
+                  <a:srgbClr val="FF0000"/>
+                </a:solidFill>
+              </a:rPr>
+              <a:t>.env</a:t>
+            </a:r>
+            <a:r>
+              <a:rPr lang="zh-TW" altLang="en-US" sz="2400" dirty="0">
+                <a:solidFill>
+                  <a:srgbClr val="FF0000"/>
+                </a:solidFill>
+              </a:rPr>
+              <a:t>這個檔案</a:t>
+            </a:r>
+          </a:p>
+        </p:txBody>
+      </p:sp>
+      <p:pic>
+        <p:nvPicPr>
+          <p:cNvPr id="7" name="Picture 6">
+            <a:extLst>
+              <a:ext uri="{FF2B5EF4-FFF2-40B4-BE49-F238E27FC236}">
+                <a16:creationId xmlns:a16="http://schemas.microsoft.com/office/drawing/2014/main" id="{6F015AF1-5EFF-FF54-60EC-B05A9C91A35D}"/>
+              </a:ext>
+            </a:extLst>
+          </p:cNvPr>
+          <p:cNvPicPr>
+            <a:picLocks noChangeAspect="1"/>
+          </p:cNvPicPr>
+          <p:nvPr/>
+        </p:nvPicPr>
+        <p:blipFill>
+          <a:blip r:embed="rId6"/>
+          <a:stretch>
+            <a:fillRect/>
+          </a:stretch>
+        </p:blipFill>
+        <p:spPr>
+          <a:xfrm>
+            <a:off x="5800738" y="635007"/>
+            <a:ext cx="2046135" cy="2618629"/>
+          </a:xfrm>
+          <a:prstGeom prst="roundRect">
+            <a:avLst>
+              <a:gd name="adj" fmla="val 4167"/>
+            </a:avLst>
+          </a:prstGeom>
+          <a:solidFill>
+            <a:srgbClr val="FFFFFF"/>
+          </a:solidFill>
+          <a:ln w="76200" cap="sq">
+            <a:solidFill>
+              <a:srgbClr val="EAEAEA"/>
+            </a:solidFill>
+            <a:miter lim="800000"/>
+          </a:ln>
+          <a:effectLst>
+            <a:reflection blurRad="12700" stA="33000" endPos="28000" dist="5000" dir="5400000" sy="-100000" algn="bl" rotWithShape="0"/>
+          </a:effectLst>
+          <a:scene3d>
+            <a:camera prst="orthographicFront"/>
+            <a:lightRig rig="threePt" dir="t">
+              <a:rot lat="0" lon="0" rev="2700000"/>
+            </a:lightRig>
+          </a:scene3d>
+          <a:sp3d contourW="6350">
+            <a:bevelT h="38100"/>
+            <a:contourClr>
+              <a:srgbClr val="C0C0C0"/>
+            </a:contourClr>
+          </a:sp3d>
+        </p:spPr>
+      </p:pic>
+      <p:sp>
+        <p:nvSpPr>
+          <p:cNvPr id="9" name="矩形: 圓角 12">
+            <a:extLst>
+              <a:ext uri="{FF2B5EF4-FFF2-40B4-BE49-F238E27FC236}">
+                <a16:creationId xmlns:a16="http://schemas.microsoft.com/office/drawing/2014/main" id="{7D9CF5FA-010A-6820-8CEF-716097898C6C}"/>
+              </a:ext>
+            </a:extLst>
+          </p:cNvPr>
+          <p:cNvSpPr/>
+          <p:nvPr/>
+        </p:nvSpPr>
+        <p:spPr>
+          <a:xfrm>
+            <a:off x="5859516" y="2573714"/>
+            <a:ext cx="1904863" cy="309186"/>
+          </a:xfrm>
+          <a:prstGeom prst="roundRect">
+            <a:avLst/>
+          </a:prstGeom>
+          <a:noFill/>
+          <a:ln w="38100">
+            <a:solidFill>
+              <a:srgbClr val="FF0000"/>
+            </a:solidFill>
+          </a:ln>
+        </p:spPr>
+        <p:style>
+          <a:lnRef idx="2">
+            <a:schemeClr val="accent1">
+              <a:shade val="15000"/>
+            </a:schemeClr>
+          </a:lnRef>
+          <a:fillRef idx="1">
+            <a:schemeClr val="accent1"/>
+          </a:fillRef>
+          <a:effectRef idx="0">
+            <a:schemeClr val="accent1"/>
+          </a:effectRef>
+          <a:fontRef idx="minor">
+            <a:schemeClr val="lt1"/>
+          </a:fontRef>
+        </p:style>
+        <p:txBody>
+          <a:bodyPr rtlCol="0" anchor="ctr"/>
+          <a:lstStyle/>
+          <a:p>
+            <a:pPr algn="ctr"/>
+            <a:endParaRPr lang="zh-TW" altLang="en-US"/>
+          </a:p>
+        </p:txBody>
+      </p:sp>
+      <p:sp>
+        <p:nvSpPr>
           <p:cNvPr id="19" name="文字方塊 18">
             <a:extLst>
               <a:ext uri="{FF2B5EF4-FFF2-40B4-BE49-F238E27FC236}">
@@ -10561,8 +11319,8 @@
         </p:nvSpPr>
         <p:spPr>
           <a:xfrm>
-            <a:off x="7301997" y="37150"/>
-            <a:ext cx="5334000" cy="523220"/>
+            <a:off x="7423397" y="19682"/>
+            <a:ext cx="4768604" cy="892552"/>
           </a:xfrm>
           <a:prstGeom prst="rect">
             <a:avLst/>
@@ -10575,6 +11333,30 @@
           </a:bodyPr>
           <a:lstStyle/>
           <a:p>
+            <a:r>
+              <a:rPr lang="zh-TW" altLang="en-US" sz="2400" dirty="0">
+                <a:solidFill>
+                  <a:srgbClr val="FF0000"/>
+                </a:solidFill>
+              </a:rPr>
+              <a:t>在目錄中</a:t>
+            </a:r>
+            <a:r>
+              <a:rPr lang="zh-TW" altLang="en-US" sz="2400" b="1" dirty="0">
+                <a:solidFill>
+                  <a:srgbClr val="002060"/>
+                </a:solidFill>
+              </a:rPr>
+              <a:t>滑鼠右鍵</a:t>
+            </a:r>
+            <a:r>
+              <a:rPr lang="zh-TW" altLang="en-US" sz="2400" dirty="0">
+                <a:solidFill>
+                  <a:srgbClr val="FF0000"/>
+                </a:solidFill>
+              </a:rPr>
+              <a:t>在終端機中開啟然後 </a:t>
+            </a:r>
             <a:r>
               <a:rPr lang="en-US" altLang="zh-TW" sz="2800" b="1" dirty="0">
                 <a:solidFill>
@@ -10588,45 +11370,6 @@
                 <a:srgbClr val="FF0000"/>
               </a:solidFill>
             </a:endParaRPr>
-          </a:p>
-        </p:txBody>
-      </p:sp>
-      <p:sp>
-        <p:nvSpPr>
-          <p:cNvPr id="23" name="文字方塊 22">
-            <a:extLst>
-              <a:ext uri="{FF2B5EF4-FFF2-40B4-BE49-F238E27FC236}">
-                <a16:creationId xmlns:a16="http://schemas.microsoft.com/office/drawing/2014/main" id="{E8FEEC4F-9843-2AC6-5894-902A61587623}"/>
-              </a:ext>
-            </a:extLst>
-          </p:cNvPr>
-          <p:cNvSpPr txBox="1"/>
-          <p:nvPr/>
-        </p:nvSpPr>
-        <p:spPr>
-          <a:xfrm>
-            <a:off x="7591133" y="4744393"/>
-            <a:ext cx="3517179" cy="369332"/>
-          </a:xfrm>
-          <a:prstGeom prst="rect">
-            <a:avLst/>
-          </a:prstGeom>
-          <a:noFill/>
-        </p:spPr>
-        <p:txBody>
-          <a:bodyPr wrap="square" rtlCol="0">
-            <a:spAutoFit/>
-          </a:bodyPr>
-          <a:lstStyle/>
-          <a:p>
-            <a:r>
-              <a:rPr lang="zh-TW" altLang="en-US" dirty="0">
-                <a:solidFill>
-                  <a:srgbClr val="FF0000"/>
-                </a:solidFill>
-              </a:rPr>
-              <a:t>啟動後到這裡來</a:t>
-            </a:r>
           </a:p>
         </p:txBody>
       </p:sp>
@@ -10843,7 +11586,7 @@
                             </p:stCondLst>
                             <p:childTnLst>
                               <p:par>
-                                <p:cTn id="19" presetID="2" presetClass="entr" presetSubtype="4" fill="hold" nodeType="clickEffect">
+                                <p:cTn id="19" presetID="2" presetClass="entr" presetSubtype="2" fill="hold" grpId="0" nodeType="clickEffect">
                                   <p:stCondLst>
                                     <p:cond delay="0"/>
                                   </p:stCondLst>
@@ -10856,7 +11599,7 @@
                                           </p:stCondLst>
                                         </p:cTn>
                                         <p:tgtEl>
-                                          <p:spTgt spid="12"/>
+                                          <p:spTgt spid="19"/>
                                         </p:tgtEl>
                                         <p:attrNameLst>
                                           <p:attrName>style.visibility</p:attrName>
@@ -10870,7 +11613,7 @@
                                       <p:cBhvr additive="base">
                                         <p:cTn id="21" dur="500" fill="hold"/>
                                         <p:tgtEl>
-                                          <p:spTgt spid="12"/>
+                                          <p:spTgt spid="19"/>
                                         </p:tgtEl>
                                         <p:attrNameLst>
                                           <p:attrName>ppt_x</p:attrName>
@@ -10879,7 +11622,7 @@
                                       <p:tavLst>
                                         <p:tav tm="0">
                                           <p:val>
-                                            <p:strVal val="#ppt_x"/>
+                                            <p:strVal val="1+#ppt_w/2"/>
                                           </p:val>
                                         </p:tav>
                                         <p:tav tm="100000">
@@ -10893,7 +11636,7 @@
                                       <p:cBhvr additive="base">
                                         <p:cTn id="22" dur="500" fill="hold"/>
                                         <p:tgtEl>
-                                          <p:spTgt spid="12"/>
+                                          <p:spTgt spid="19"/>
                                         </p:tgtEl>
                                         <p:attrNameLst>
                                           <p:attrName>ppt_y</p:attrName>
@@ -10902,7 +11645,7 @@
                                       <p:tavLst>
                                         <p:tav tm="0">
                                           <p:val>
-                                            <p:strVal val="1+#ppt_h/2"/>
+                                            <p:strVal val="#ppt_y"/>
                                           </p:val>
                                         </p:tav>
                                         <p:tav tm="100000">
@@ -10925,7 +11668,7 @@
                             </p:stCondLst>
                             <p:childTnLst>
                               <p:par>
-                                <p:cTn id="24" presetID="21" presetClass="entr" presetSubtype="1" fill="hold" grpId="0" nodeType="afterEffect">
+                                <p:cTn id="24" presetID="2" presetClass="entr" presetSubtype="4" fill="hold" nodeType="afterEffect">
                                   <p:stCondLst>
                                     <p:cond delay="0"/>
                                   </p:stCondLst>
@@ -10938,51 +11681,7 @@
                                           </p:stCondLst>
                                         </p:cTn>
                                         <p:tgtEl>
-                                          <p:spTgt spid="13"/>
-                                        </p:tgtEl>
-                                        <p:attrNameLst>
-                                          <p:attrName>style.visibility</p:attrName>
-                                        </p:attrNameLst>
-                                      </p:cBhvr>
-                                      <p:to>
-                                        <p:strVal val="visible"/>
-                                      </p:to>
-                                    </p:set>
-                                    <p:animEffect transition="in" filter="wheel(1)">
-                                      <p:cBhvr>
-                                        <p:cTn id="26" dur="1000"/>
-                                        <p:tgtEl>
-                                          <p:spTgt spid="13"/>
-                                        </p:tgtEl>
-                                      </p:cBhvr>
-                                    </p:animEffect>
-                                  </p:childTnLst>
-                                </p:cTn>
-                              </p:par>
-                            </p:childTnLst>
-                          </p:cTn>
-                        </p:par>
-                        <p:par>
-                          <p:cTn id="27" fill="hold">
-                            <p:stCondLst>
-                              <p:cond delay="1500"/>
-                            </p:stCondLst>
-                            <p:childTnLst>
-                              <p:par>
-                                <p:cTn id="28" presetID="2" presetClass="entr" presetSubtype="2" fill="hold" grpId="0" nodeType="afterEffect">
-                                  <p:stCondLst>
-                                    <p:cond delay="0"/>
-                                  </p:stCondLst>
-                                  <p:childTnLst>
-                                    <p:set>
-                                      <p:cBhvr>
-                                        <p:cTn id="29" dur="1" fill="hold">
-                                          <p:stCondLst>
-                                            <p:cond delay="0"/>
-                                          </p:stCondLst>
-                                        </p:cTn>
-                                        <p:tgtEl>
-                                          <p:spTgt spid="19"/>
+                                          <p:spTgt spid="7"/>
                                         </p:tgtEl>
                                         <p:attrNameLst>
                                           <p:attrName>style.visibility</p:attrName>
@@ -10994,135 +11693,9 @@
                                     </p:set>
                                     <p:anim calcmode="lin" valueType="num">
                                       <p:cBhvr additive="base">
-                                        <p:cTn id="30" dur="500" fill="hold"/>
-                                        <p:tgtEl>
-                                          <p:spTgt spid="19"/>
-                                        </p:tgtEl>
-                                        <p:attrNameLst>
-                                          <p:attrName>ppt_x</p:attrName>
-                                        </p:attrNameLst>
-                                      </p:cBhvr>
-                                      <p:tavLst>
-                                        <p:tav tm="0">
-                                          <p:val>
-                                            <p:strVal val="1+#ppt_w/2"/>
-                                          </p:val>
-                                        </p:tav>
-                                        <p:tav tm="100000">
-                                          <p:val>
-                                            <p:strVal val="#ppt_x"/>
-                                          </p:val>
-                                        </p:tav>
-                                      </p:tavLst>
-                                    </p:anim>
-                                    <p:anim calcmode="lin" valueType="num">
-                                      <p:cBhvr additive="base">
-                                        <p:cTn id="31" dur="500" fill="hold"/>
-                                        <p:tgtEl>
-                                          <p:spTgt spid="19"/>
-                                        </p:tgtEl>
-                                        <p:attrNameLst>
-                                          <p:attrName>ppt_y</p:attrName>
-                                        </p:attrNameLst>
-                                      </p:cBhvr>
-                                      <p:tavLst>
-                                        <p:tav tm="0">
-                                          <p:val>
-                                            <p:strVal val="#ppt_y"/>
-                                          </p:val>
-                                        </p:tav>
-                                        <p:tav tm="100000">
-                                          <p:val>
-                                            <p:strVal val="#ppt_y"/>
-                                          </p:val>
-                                        </p:tav>
-                                      </p:tavLst>
-                                    </p:anim>
-                                  </p:childTnLst>
-                                </p:cTn>
-                              </p:par>
-                            </p:childTnLst>
-                          </p:cTn>
-                        </p:par>
-                        <p:par>
-                          <p:cTn id="32" fill="hold">
-                            <p:stCondLst>
-                              <p:cond delay="2000"/>
-                            </p:stCondLst>
-                            <p:childTnLst>
-                              <p:par>
-                                <p:cTn id="33" presetID="22" presetClass="entr" presetSubtype="1" fill="hold" nodeType="afterEffect">
-                                  <p:stCondLst>
-                                    <p:cond delay="0"/>
-                                  </p:stCondLst>
-                                  <p:childTnLst>
-                                    <p:set>
-                                      <p:cBhvr>
-                                        <p:cTn id="34" dur="1" fill="hold">
-                                          <p:stCondLst>
-                                            <p:cond delay="0"/>
-                                          </p:stCondLst>
-                                        </p:cTn>
-                                        <p:tgtEl>
-                                          <p:spTgt spid="16"/>
-                                        </p:tgtEl>
-                                        <p:attrNameLst>
-                                          <p:attrName>style.visibility</p:attrName>
-                                        </p:attrNameLst>
-                                      </p:cBhvr>
-                                      <p:to>
-                                        <p:strVal val="visible"/>
-                                      </p:to>
-                                    </p:set>
-                                    <p:animEffect transition="in" filter="wipe(up)">
-                                      <p:cBhvr>
-                                        <p:cTn id="35" dur="500"/>
-                                        <p:tgtEl>
-                                          <p:spTgt spid="16"/>
-                                        </p:tgtEl>
-                                      </p:cBhvr>
-                                    </p:animEffect>
-                                  </p:childTnLst>
-                                </p:cTn>
-                              </p:par>
-                            </p:childTnLst>
-                          </p:cTn>
-                        </p:par>
-                        <p:par>
-                          <p:cTn id="36" fill="hold">
-                            <p:stCondLst>
-                              <p:cond delay="2500"/>
-                            </p:stCondLst>
-                            <p:childTnLst>
-                              <p:par>
-                                <p:cTn id="37" presetID="2" presetClass="entr" presetSubtype="4" fill="hold" nodeType="afterEffect">
-                                  <p:stCondLst>
-                                    <p:cond delay="0"/>
-                                  </p:stCondLst>
-                                  <p:childTnLst>
-                                    <p:set>
-                                      <p:cBhvr>
-                                        <p:cTn id="38" dur="1" fill="hold">
-                                          <p:stCondLst>
-                                            <p:cond delay="0"/>
-                                          </p:stCondLst>
-                                        </p:cTn>
-                                        <p:tgtEl>
-                                          <p:spTgt spid="15"/>
-                                        </p:tgtEl>
-                                        <p:attrNameLst>
-                                          <p:attrName>style.visibility</p:attrName>
-                                        </p:attrNameLst>
-                                      </p:cBhvr>
-                                      <p:to>
-                                        <p:strVal val="visible"/>
-                                      </p:to>
-                                    </p:set>
-                                    <p:anim calcmode="lin" valueType="num">
-                                      <p:cBhvr additive="base">
-                                        <p:cTn id="39" dur="500" fill="hold"/>
-                                        <p:tgtEl>
-                                          <p:spTgt spid="15"/>
+                                        <p:cTn id="26" dur="500" fill="hold"/>
+                                        <p:tgtEl>
+                                          <p:spTgt spid="7"/>
                                         </p:tgtEl>
                                         <p:attrNameLst>
                                           <p:attrName>ppt_x</p:attrName>
@@ -11143,9 +11716,9 @@
                                     </p:anim>
                                     <p:anim calcmode="lin" valueType="num">
                                       <p:cBhvr additive="base">
-                                        <p:cTn id="40" dur="500" fill="hold"/>
-                                        <p:tgtEl>
-                                          <p:spTgt spid="15"/>
+                                        <p:cTn id="27" dur="500" fill="hold"/>
+                                        <p:tgtEl>
+                                          <p:spTgt spid="7"/>
                                         </p:tgtEl>
                                         <p:attrNameLst>
                                           <p:attrName>ppt_y</p:attrName>
@@ -11171,26 +11744,70 @@
                           </p:cTn>
                         </p:par>
                         <p:par>
-                          <p:cTn id="41" fill="hold">
+                          <p:cTn id="28" fill="hold">
                             <p:stCondLst>
-                              <p:cond delay="3000"/>
+                              <p:cond delay="1000"/>
                             </p:stCondLst>
                             <p:childTnLst>
                               <p:par>
-                                <p:cTn id="42" presetID="2" presetClass="entr" presetSubtype="4" fill="hold" grpId="0" nodeType="afterEffect">
+                                <p:cTn id="29" presetID="21" presetClass="entr" presetSubtype="1" fill="hold" grpId="0" nodeType="afterEffect">
                                   <p:stCondLst>
                                     <p:cond delay="0"/>
                                   </p:stCondLst>
                                   <p:childTnLst>
                                     <p:set>
                                       <p:cBhvr>
-                                        <p:cTn id="43" dur="1" fill="hold">
+                                        <p:cTn id="30" dur="1" fill="hold">
                                           <p:stCondLst>
                                             <p:cond delay="0"/>
                                           </p:stCondLst>
                                         </p:cTn>
                                         <p:tgtEl>
-                                          <p:spTgt spid="23"/>
+                                          <p:spTgt spid="9"/>
+                                        </p:tgtEl>
+                                        <p:attrNameLst>
+                                          <p:attrName>style.visibility</p:attrName>
+                                        </p:attrNameLst>
+                                      </p:cBhvr>
+                                      <p:to>
+                                        <p:strVal val="visible"/>
+                                      </p:to>
+                                    </p:set>
+                                    <p:animEffect transition="in" filter="wheel(1)">
+                                      <p:cBhvr>
+                                        <p:cTn id="31" dur="1000"/>
+                                        <p:tgtEl>
+                                          <p:spTgt spid="9"/>
+                                        </p:tgtEl>
+                                      </p:cBhvr>
+                                    </p:animEffect>
+                                  </p:childTnLst>
+                                </p:cTn>
+                              </p:par>
+                            </p:childTnLst>
+                          </p:cTn>
+                        </p:par>
+                        <p:par>
+                          <p:cTn id="32" fill="hold">
+                            <p:stCondLst>
+                              <p:cond delay="2000"/>
+                            </p:stCondLst>
+                            <p:childTnLst>
+                              <p:par>
+                                <p:cTn id="33" presetID="2" presetClass="entr" presetSubtype="4" fill="hold" nodeType="afterEffect">
+                                  <p:stCondLst>
+                                    <p:cond delay="0"/>
+                                  </p:stCondLst>
+                                  <p:childTnLst>
+                                    <p:set>
+                                      <p:cBhvr>
+                                        <p:cTn id="34" dur="1" fill="hold">
+                                          <p:stCondLst>
+                                            <p:cond delay="0"/>
+                                          </p:stCondLst>
+                                        </p:cTn>
+                                        <p:tgtEl>
+                                          <p:spTgt spid="12"/>
                                         </p:tgtEl>
                                         <p:attrNameLst>
                                           <p:attrName>style.visibility</p:attrName>
@@ -11202,9 +11819,9 @@
                                     </p:set>
                                     <p:anim calcmode="lin" valueType="num">
                                       <p:cBhvr additive="base">
-                                        <p:cTn id="44" dur="500" fill="hold"/>
-                                        <p:tgtEl>
-                                          <p:spTgt spid="23"/>
+                                        <p:cTn id="35" dur="500" fill="hold"/>
+                                        <p:tgtEl>
+                                          <p:spTgt spid="12"/>
                                         </p:tgtEl>
                                         <p:attrNameLst>
                                           <p:attrName>ppt_x</p:attrName>
@@ -11225,7 +11842,259 @@
                                     </p:anim>
                                     <p:anim calcmode="lin" valueType="num">
                                       <p:cBhvr additive="base">
-                                        <p:cTn id="45" dur="500" fill="hold"/>
+                                        <p:cTn id="36" dur="500" fill="hold"/>
+                                        <p:tgtEl>
+                                          <p:spTgt spid="12"/>
+                                        </p:tgtEl>
+                                        <p:attrNameLst>
+                                          <p:attrName>ppt_y</p:attrName>
+                                        </p:attrNameLst>
+                                      </p:cBhvr>
+                                      <p:tavLst>
+                                        <p:tav tm="0">
+                                          <p:val>
+                                            <p:strVal val="1+#ppt_h/2"/>
+                                          </p:val>
+                                        </p:tav>
+                                        <p:tav tm="100000">
+                                          <p:val>
+                                            <p:strVal val="#ppt_y"/>
+                                          </p:val>
+                                        </p:tav>
+                                      </p:tavLst>
+                                    </p:anim>
+                                  </p:childTnLst>
+                                </p:cTn>
+                              </p:par>
+                            </p:childTnLst>
+                          </p:cTn>
+                        </p:par>
+                        <p:par>
+                          <p:cTn id="37" fill="hold">
+                            <p:stCondLst>
+                              <p:cond delay="2500"/>
+                            </p:stCondLst>
+                            <p:childTnLst>
+                              <p:par>
+                                <p:cTn id="38" presetID="21" presetClass="entr" presetSubtype="1" fill="hold" grpId="0" nodeType="afterEffect">
+                                  <p:stCondLst>
+                                    <p:cond delay="0"/>
+                                  </p:stCondLst>
+                                  <p:childTnLst>
+                                    <p:set>
+                                      <p:cBhvr>
+                                        <p:cTn id="39" dur="1" fill="hold">
+                                          <p:stCondLst>
+                                            <p:cond delay="0"/>
+                                          </p:stCondLst>
+                                        </p:cTn>
+                                        <p:tgtEl>
+                                          <p:spTgt spid="13"/>
+                                        </p:tgtEl>
+                                        <p:attrNameLst>
+                                          <p:attrName>style.visibility</p:attrName>
+                                        </p:attrNameLst>
+                                      </p:cBhvr>
+                                      <p:to>
+                                        <p:strVal val="visible"/>
+                                      </p:to>
+                                    </p:set>
+                                    <p:animEffect transition="in" filter="wheel(1)">
+                                      <p:cBhvr>
+                                        <p:cTn id="40" dur="1000"/>
+                                        <p:tgtEl>
+                                          <p:spTgt spid="13"/>
+                                        </p:tgtEl>
+                                      </p:cBhvr>
+                                    </p:animEffect>
+                                  </p:childTnLst>
+                                </p:cTn>
+                              </p:par>
+                            </p:childTnLst>
+                          </p:cTn>
+                        </p:par>
+                        <p:par>
+                          <p:cTn id="41" fill="hold">
+                            <p:stCondLst>
+                              <p:cond delay="3500"/>
+                            </p:stCondLst>
+                            <p:childTnLst>
+                              <p:par>
+                                <p:cTn id="42" presetID="22" presetClass="entr" presetSubtype="1" fill="hold" nodeType="afterEffect">
+                                  <p:stCondLst>
+                                    <p:cond delay="0"/>
+                                  </p:stCondLst>
+                                  <p:childTnLst>
+                                    <p:set>
+                                      <p:cBhvr>
+                                        <p:cTn id="43" dur="1" fill="hold">
+                                          <p:stCondLst>
+                                            <p:cond delay="0"/>
+                                          </p:stCondLst>
+                                        </p:cTn>
+                                        <p:tgtEl>
+                                          <p:spTgt spid="16"/>
+                                        </p:tgtEl>
+                                        <p:attrNameLst>
+                                          <p:attrName>style.visibility</p:attrName>
+                                        </p:attrNameLst>
+                                      </p:cBhvr>
+                                      <p:to>
+                                        <p:strVal val="visible"/>
+                                      </p:to>
+                                    </p:set>
+                                    <p:animEffect transition="in" filter="wipe(up)">
+                                      <p:cBhvr>
+                                        <p:cTn id="44" dur="500"/>
+                                        <p:tgtEl>
+                                          <p:spTgt spid="16"/>
+                                        </p:tgtEl>
+                                      </p:cBhvr>
+                                    </p:animEffect>
+                                  </p:childTnLst>
+                                </p:cTn>
+                              </p:par>
+                            </p:childTnLst>
+                          </p:cTn>
+                        </p:par>
+                        <p:par>
+                          <p:cTn id="45" fill="hold">
+                            <p:stCondLst>
+                              <p:cond delay="4000"/>
+                            </p:stCondLst>
+                            <p:childTnLst>
+                              <p:par>
+                                <p:cTn id="46" presetID="2" presetClass="entr" presetSubtype="4" fill="hold" nodeType="afterEffect">
+                                  <p:stCondLst>
+                                    <p:cond delay="0"/>
+                                  </p:stCondLst>
+                                  <p:childTnLst>
+                                    <p:set>
+                                      <p:cBhvr>
+                                        <p:cTn id="47" dur="1" fill="hold">
+                                          <p:stCondLst>
+                                            <p:cond delay="0"/>
+                                          </p:stCondLst>
+                                        </p:cTn>
+                                        <p:tgtEl>
+                                          <p:spTgt spid="15"/>
+                                        </p:tgtEl>
+                                        <p:attrNameLst>
+                                          <p:attrName>style.visibility</p:attrName>
+                                        </p:attrNameLst>
+                                      </p:cBhvr>
+                                      <p:to>
+                                        <p:strVal val="visible"/>
+                                      </p:to>
+                                    </p:set>
+                                    <p:anim calcmode="lin" valueType="num">
+                                      <p:cBhvr additive="base">
+                                        <p:cTn id="48" dur="500" fill="hold"/>
+                                        <p:tgtEl>
+                                          <p:spTgt spid="15"/>
+                                        </p:tgtEl>
+                                        <p:attrNameLst>
+                                          <p:attrName>ppt_x</p:attrName>
+                                        </p:attrNameLst>
+                                      </p:cBhvr>
+                                      <p:tavLst>
+                                        <p:tav tm="0">
+                                          <p:val>
+                                            <p:strVal val="#ppt_x"/>
+                                          </p:val>
+                                        </p:tav>
+                                        <p:tav tm="100000">
+                                          <p:val>
+                                            <p:strVal val="#ppt_x"/>
+                                          </p:val>
+                                        </p:tav>
+                                      </p:tavLst>
+                                    </p:anim>
+                                    <p:anim calcmode="lin" valueType="num">
+                                      <p:cBhvr additive="base">
+                                        <p:cTn id="49" dur="500" fill="hold"/>
+                                        <p:tgtEl>
+                                          <p:spTgt spid="15"/>
+                                        </p:tgtEl>
+                                        <p:attrNameLst>
+                                          <p:attrName>ppt_y</p:attrName>
+                                        </p:attrNameLst>
+                                      </p:cBhvr>
+                                      <p:tavLst>
+                                        <p:tav tm="0">
+                                          <p:val>
+                                            <p:strVal val="1+#ppt_h/2"/>
+                                          </p:val>
+                                        </p:tav>
+                                        <p:tav tm="100000">
+                                          <p:val>
+                                            <p:strVal val="#ppt_y"/>
+                                          </p:val>
+                                        </p:tav>
+                                      </p:tavLst>
+                                    </p:anim>
+                                  </p:childTnLst>
+                                </p:cTn>
+                              </p:par>
+                            </p:childTnLst>
+                          </p:cTn>
+                        </p:par>
+                        <p:par>
+                          <p:cTn id="50" fill="hold">
+                            <p:stCondLst>
+                              <p:cond delay="4500"/>
+                            </p:stCondLst>
+                            <p:childTnLst>
+                              <p:par>
+                                <p:cTn id="51" presetID="2" presetClass="entr" presetSubtype="4" fill="hold" grpId="0" nodeType="afterEffect">
+                                  <p:stCondLst>
+                                    <p:cond delay="0"/>
+                                  </p:stCondLst>
+                                  <p:childTnLst>
+                                    <p:set>
+                                      <p:cBhvr>
+                                        <p:cTn id="52" dur="1" fill="hold">
+                                          <p:stCondLst>
+                                            <p:cond delay="0"/>
+                                          </p:stCondLst>
+                                        </p:cTn>
+                                        <p:tgtEl>
+                                          <p:spTgt spid="23"/>
+                                        </p:tgtEl>
+                                        <p:attrNameLst>
+                                          <p:attrName>style.visibility</p:attrName>
+                                        </p:attrNameLst>
+                                      </p:cBhvr>
+                                      <p:to>
+                                        <p:strVal val="visible"/>
+                                      </p:to>
+                                    </p:set>
+                                    <p:anim calcmode="lin" valueType="num">
+                                      <p:cBhvr additive="base">
+                                        <p:cTn id="53" dur="500" fill="hold"/>
+                                        <p:tgtEl>
+                                          <p:spTgt spid="23"/>
+                                        </p:tgtEl>
+                                        <p:attrNameLst>
+                                          <p:attrName>ppt_x</p:attrName>
+                                        </p:attrNameLst>
+                                      </p:cBhvr>
+                                      <p:tavLst>
+                                        <p:tav tm="0">
+                                          <p:val>
+                                            <p:strVal val="#ppt_x"/>
+                                          </p:val>
+                                        </p:tav>
+                                        <p:tav tm="100000">
+                                          <p:val>
+                                            <p:strVal val="#ppt_x"/>
+                                          </p:val>
+                                        </p:tav>
+                                      </p:tavLst>
+                                    </p:anim>
+                                    <p:anim calcmode="lin" valueType="num">
+                                      <p:cBhvr additive="base">
+                                        <p:cTn id="54" dur="500" fill="hold"/>
                                         <p:tgtEl>
                                           <p:spTgt spid="23"/>
                                         </p:tgtEl>
@@ -11280,8 +12149,9 @@
       <p:bldP spid="4" grpId="0" animBg="1"/>
       <p:bldP spid="8" grpId="0"/>
       <p:bldP spid="13" grpId="0" animBg="1"/>
+      <p:bldP spid="23" grpId="0"/>
+      <p:bldP spid="9" grpId="0" animBg="1"/>
       <p:bldP spid="19" grpId="0"/>
-      <p:bldP spid="23" grpId="0"/>
     </p:bldLst>
   </p:timing>
 </p:sld>
